--- a/PDF,PPT/2DGP 3차 프로젝트.pptx
+++ b/PDF,PPT/2DGP 3차 프로젝트.pptx
@@ -8619,90 +8619,35 @@
           </a:p>
         </p:txBody>
       </p:sp>
-      <p:sp>
-        <p:nvSpPr>
-          <p:cNvPr id="6" name="TextBox 5">
+      <p:pic>
+        <p:nvPicPr>
+          <p:cNvPr id="5" name="내용 개체 틀 4">
             <a:extLst>
               <a:ext uri="{FF2B5EF4-FFF2-40B4-BE49-F238E27FC236}">
-                <a16:creationId xmlns:a16="http://schemas.microsoft.com/office/drawing/2014/main" id="{524A756B-55BF-4063-968B-9B097D93AAD8}"/>
+                <a16:creationId xmlns:a16="http://schemas.microsoft.com/office/drawing/2014/main" id="{BE985005-BE46-44E8-8D01-3C8550CE6DDE}"/>
               </a:ext>
             </a:extLst>
           </p:cNvPr>
-          <p:cNvSpPr txBox="1"/>
-          <p:nvPr/>
-        </p:nvSpPr>
-        <p:spPr>
-          <a:xfrm>
-            <a:off x="8448699" y="1924329"/>
-            <a:ext cx="3709357" cy="923330"/>
-          </a:xfrm>
-          <a:prstGeom prst="rect">
-            <a:avLst/>
-          </a:prstGeom>
-          <a:noFill/>
-        </p:spPr>
-        <p:txBody>
-          <a:bodyPr wrap="square" rtlCol="0">
-            <a:spAutoFit/>
-          </a:bodyPr>
-          <a:lstStyle/>
-          <a:p>
-            <a:r>
-              <a:rPr lang="en-US" altLang="ko-KR" dirty="0" err="1"/>
-              <a:t>Dril</a:t>
-            </a:r>
-            <a:r>
-              <a:rPr lang="en-US" altLang="ko-KR" dirty="0"/>
-              <a:t> </a:t>
-            </a:r>
-            <a:r>
-              <a:rPr lang="ko-KR" altLang="en-US" dirty="0"/>
-              <a:t>과제 하고 같은 </a:t>
-            </a:r>
-            <a:r>
-              <a:rPr lang="ko-KR" altLang="en-US" dirty="0" err="1"/>
-              <a:t>레포지토리를</a:t>
-            </a:r>
-            <a:r>
-              <a:rPr lang="ko-KR" altLang="en-US" dirty="0"/>
-              <a:t> 사용해서 과제 보고 옮겨서 그 이후 </a:t>
-            </a:r>
-            <a:r>
-              <a:rPr lang="ko-KR" altLang="en-US" dirty="0" err="1"/>
-              <a:t>커밋</a:t>
-            </a:r>
-            <a:r>
-              <a:rPr lang="ko-KR" altLang="en-US" dirty="0"/>
-              <a:t> 히스토리 밖에 없습니다</a:t>
-            </a:r>
-          </a:p>
-        </p:txBody>
-      </p:sp>
-      <p:sp>
-        <p:nvSpPr>
-          <p:cNvPr id="4" name="내용 개체 틀 3">
-            <a:extLst>
-              <a:ext uri="{FF2B5EF4-FFF2-40B4-BE49-F238E27FC236}">
-                <a16:creationId xmlns:a16="http://schemas.microsoft.com/office/drawing/2014/main" id="{6BFDF29E-4E07-4DC9-97D8-FF148C12931F}"/>
-              </a:ext>
-            </a:extLst>
-          </p:cNvPr>
-          <p:cNvSpPr>
-            <a:spLocks noGrp="1"/>
-          </p:cNvSpPr>
+          <p:cNvPicPr>
+            <a:picLocks noGrp="1" noChangeAspect="1"/>
+          </p:cNvPicPr>
           <p:nvPr>
             <p:ph idx="1"/>
           </p:nvPr>
-        </p:nvSpPr>
-        <p:spPr/>
-        <p:txBody>
-          <a:bodyPr/>
-          <a:lstStyle/>
-          <a:p>
-            <a:endParaRPr lang="ko-KR" altLang="en-US"/>
-          </a:p>
-        </p:txBody>
-      </p:sp>
+        </p:nvPicPr>
+        <p:blipFill>
+          <a:blip r:embed="rId2"/>
+          <a:stretch>
+            <a:fillRect/>
+          </a:stretch>
+        </p:blipFill>
+        <p:spPr>
+          <a:xfrm>
+            <a:off x="2542093" y="1834673"/>
+            <a:ext cx="7107813" cy="4351338"/>
+          </a:xfrm>
+        </p:spPr>
+      </p:pic>
     </p:spTree>
     <p:extLst>
       <p:ext uri="{BB962C8B-B14F-4D97-AF65-F5344CB8AC3E}">
